--- a/generated_ppt/_presentation.pptx
+++ b/generated_ppt/_presentation.pptx
@@ -3192,7 +3192,7 @@
               <a:defRPr sz="1600"/>
             </a:pPr>
             <a:r>
-              <a:t>About Us:</a:t>
+              <a:t>**About Us**</a:t>
             </a:r>
           </a:p>
           <a:p>
@@ -3205,7 +3205,7 @@
               <a:defRPr sz="1600"/>
             </a:pPr>
             <a:r>
-              <a:t>Hydra Apps Solution is a cutting-edge startup based in Seri Iskandar, Perak, specializing in developing innovative Android Apps for the SYNTECH industry. Our team is dedicated to addressing the lack of digitalization in the market by leveraging the latest technologies such as Flutter. With a current state of RM2000, we are driven to revolutionize the Perak market with cost-effective solutions that cater to the unique needs of our target audience. Join us on our journey to transform the digital landscape in Seri Iskandar and beyond.</a:t>
+              <a:t>At srtj, we are passionate about revolutionizing the way people experience fish. Our team is dedicated to providing innovative solutions that cater to the needs of our target audience, sryj. With our unique offering, we aim to solve the problem of sryjsrmdt using cutting-edge technologies like umksymsm. Operating in stumsym, we are ready to take on the msrmdsrtmsrkm market. Join us on this exciting journey as we disrupt the industry and create value for our customers.</a:t>
             </a:r>
           </a:p>
         </p:txBody>
@@ -3271,7 +3271,7 @@
               <a:defRPr sz="1600"/>
             </a:pPr>
             <a:r>
-              <a:t>Market Analysis:</a:t>
+              <a:t>Market Analysis</a:t>
             </a:r>
           </a:p>
           <a:p>
@@ -3284,7 +3284,55 @@
               <a:defRPr sz="1600"/>
             </a:pPr>
             <a:r>
-              <a:t>Hydra Apps Solution operates in the vibrant and growing Android app market in Seri Iskandar, Perak. With the increasing demand for digital solutions in the SYNTECH industry, there is a significant opportunity for growth and expansion. The market value in the previous year was estimated at RM50, with competitors like Webby Group and Double Dot dominating the Perak market. Despite the competition, Hydra Apps Solution stands out by offering cost-effective solutions to meet the digitalization needs of businesses in the region.</a:t>
+              <a:t>- **GEOGRAPHICAL AREA OF OPERATION:** Our target market is spread across [GEOGRAPHICAL AREA OF OPERATION], where there is a high demand for [PRODUCT/SERVICE].</a:t>
+            </a:r>
+          </a:p>
+          <a:p>
+            <a:pPr>
+              <a:defRPr sz="1600"/>
+            </a:pPr>
+            <a:r>
+              <a:t>  </a:t>
+            </a:r>
+          </a:p>
+          <a:p>
+            <a:pPr>
+              <a:defRPr sz="1600"/>
+            </a:pPr>
+            <a:r>
+              <a:t>- **VALUE OF MARKET LAST YEAR:** The market for [PRODUCT/SERVICE] was valued at [VALUE OF MARKET LAST YEAR], showcasing the potential for growth and profitability in this sector.</a:t>
+            </a:r>
+          </a:p>
+          <a:p>
+            <a:pPr>
+              <a:defRPr sz="1600"/>
+            </a:pPr>
+            <a:r>
+              <a:t>  </a:t>
+            </a:r>
+          </a:p>
+          <a:p>
+            <a:pPr>
+              <a:defRPr sz="1600"/>
+            </a:pPr>
+            <a:r>
+              <a:t>- **MARKET COMPETITION:** Despite the competitive landscape in the [MARKET COMPETITION] market, there is a clear opportunity for srtj to establish a strong presence and capture market share.</a:t>
+            </a:r>
+          </a:p>
+          <a:p>
+            <a:pPr>
+              <a:defRPr sz="1600"/>
+            </a:pPr>
+            <a:r>
+              <a:t>  </a:t>
+            </a:r>
+          </a:p>
+          <a:p>
+            <a:pPr>
+              <a:defRPr sz="1600"/>
+            </a:pPr>
+            <a:r>
+              <a:t>- **TARGET AUDIENCE:** Our [TARGET AUDIENCE] are actively seeking a solution like ours to address [PROBLEM SOLVED BY THIS SOLUTION], presenting a significant market opportunity for srtj.</a:t>
             </a:r>
           </a:p>
         </p:txBody>
@@ -3363,7 +3411,7 @@
               <a:defRPr sz="1600"/>
             </a:pPr>
             <a:r>
-              <a:t>In the Perak market, we face competition from established players like Webby Group and Double Dot. While they offer similar Android app solutions, Hydra Apps Solution sets itself apart by providing cost-effective services. Our focus on affordability allows us to cater to SYNTECH's digitalization needs in Seri Iskandar, Perak, making us the preferred choice in the market.</a:t>
+              <a:t>In the competitive landscape of the fish market, srtj faces competition from established players such as srymsyms and rymsrymnsr. These competitors have a strong presence in the market and have been offering similar solutions to the target audience. However, what sets srtj apart is our unique approach to utilizing umksymsm technology to provide a more efficient and effective solution to the sryj audience. Our key differences in quality, service, and innovation position us as a formidable contender in the market.</a:t>
             </a:r>
           </a:p>
         </p:txBody>
@@ -3429,7 +3477,7 @@
               <a:defRPr sz="1600"/>
             </a:pPr>
             <a:r>
-              <a:t>Key Difference:</a:t>
+              <a:t>**Key Difference:**</a:t>
             </a:r>
           </a:p>
           <a:p>
@@ -3442,7 +3490,7 @@
               <a:defRPr sz="1600"/>
             </a:pPr>
             <a:r>
-              <a:t>Hydra Apps Solution stands out in the market as a provider of affordable Android apps using cutting-edge Flutter technology. Our cost-effective solutions make digitalization accessible to SYNTECH businesses in Seri Iskandar, Perak, setting us apart from competitors like Webby Group and Double Dot. By offering high-quality apps at a lower price point, we are revolutionizing the Perak market and paving the way for widespread digital transformation.</a:t>
+              <a:t>At srtj, our key difference lies in our innovative approach to the fish industry. Unlike our competitors, we leverage cutting-edge umksymsm technologies to revolutionize the way fish is sourced, processed, and delivered to our target audience in stumsym. Our unique ymsrymsrm sets us apart in the market, ensuring that we stay ahead of the curve and provide unparalleled value to our customers.</a:t>
             </a:r>
           </a:p>
         </p:txBody>
@@ -3521,7 +3569,7 @@
               <a:defRPr sz="1600"/>
             </a:pPr>
             <a:r>
-              <a:t>Hydra Apps Solution is seeking funding to accelerate our growth in the Seri Iskandar, Perak market. With the infusion of capital, we aim to expand our reach, enhance our Android Apps offerings, and increase our market share among the SYNTECH audience. The investment will be utilized to drive our sales and marketing efforts, improve our technology infrastructure, and build a stronger presence in the digitalization space.</a:t>
+              <a:t>WANTED RESOURCES/FUNDING: The startup, srtj, is seeking a total funding of msmsrymsry to fuel its growth and expansion plans.</a:t>
             </a:r>
           </a:p>
           <a:p>
@@ -3534,7 +3582,20 @@
               <a:defRPr sz="1600"/>
             </a:pPr>
             <a:r>
-              <a:t>In return for your investment, we project a significant return on investment (ROI) as we capitalize on the growing demand for digital solutions in the Perak market. Our cost-effective approach, coupled with our innovative use of Flutter technology, positions us as a competitive player in the industry. By leveraging the funding effectively, we anticipate a substantial increase in revenue and market valuation, ultimately leading to a lucrative exit strategy for our investors. Join us in revolutionizing the digital landscape and reap the rewards of our success with Hydra Apps Solution.</a:t>
+              <a:t>HOW RESOURCES WILL BE USED: The funds will be allocated towards scaling up production, marketing efforts to reach a wider audience, further development of our technology platform umksymsm, and expanding our operations into new geographical areas stumsym.</a:t>
+            </a:r>
+          </a:p>
+          <a:p>
+            <a:pPr>
+              <a:defRPr sz="1600"/>
+            </a:pPr>
+          </a:p>
+          <a:p>
+            <a:pPr>
+              <a:defRPr sz="1600"/>
+            </a:pPr>
+            <a:r>
+              <a:t>ROI PROJECTION: With the successful deployment of the funding, srtj anticipates a significant increase in market share and revenue generation. The projected return on investment is expected to be substantial, with a clear path to profitability and sustainable growth in the market.</a:t>
             </a:r>
           </a:p>
         </p:txBody>

--- a/generated_ppt/_presentation.pptx
+++ b/generated_ppt/_presentation.pptx
@@ -3192,7 +3192,7 @@
               <a:defRPr sz="1600"/>
             </a:pPr>
             <a:r>
-              <a:t>**About Us**</a:t>
+              <a:t>About Us:</a:t>
             </a:r>
           </a:p>
           <a:p>
@@ -3205,7 +3205,7 @@
               <a:defRPr sz="1600"/>
             </a:pPr>
             <a:r>
-              <a:t>At srtj, we are passionate about revolutionizing the way people experience fish. Our team is dedicated to providing innovative solutions that cater to the needs of our target audience, sryj. With our unique offering, we aim to solve the problem of sryjsrmdt using cutting-edge technologies like umksymsm. Operating in stumsym, we are ready to take on the msrmdsrtmsrkm market. Join us on this exciting journey as we disrupt the industry and create value for our customers.</a:t>
+              <a:t>At srtj, we are passionate about revolutionizing the way people experience fish. Our team is dedicated to creating innovative solutions that cater to the needs of our target audience, sryj. With our expertise in umksymsm, we are committed to providing a seamless and enjoyable fish experience for our customers in stumsym. Join us on our journey to transform the fish market and make a lasting impact in the industry.</a:t>
             </a:r>
           </a:p>
         </p:txBody>
@@ -3271,7 +3271,7 @@
               <a:defRPr sz="1600"/>
             </a:pPr>
             <a:r>
-              <a:t>Market Analysis</a:t>
+              <a:t>Market Analysis:</a:t>
             </a:r>
           </a:p>
           <a:p>
@@ -3284,55 +3284,7 @@
               <a:defRPr sz="1600"/>
             </a:pPr>
             <a:r>
-              <a:t>- **GEOGRAPHICAL AREA OF OPERATION:** Our target market is spread across [GEOGRAPHICAL AREA OF OPERATION], where there is a high demand for [PRODUCT/SERVICE].</a:t>
-            </a:r>
-          </a:p>
-          <a:p>
-            <a:pPr>
-              <a:defRPr sz="1600"/>
-            </a:pPr>
-            <a:r>
-              <a:t>  </a:t>
-            </a:r>
-          </a:p>
-          <a:p>
-            <a:pPr>
-              <a:defRPr sz="1600"/>
-            </a:pPr>
-            <a:r>
-              <a:t>- **VALUE OF MARKET LAST YEAR:** The market for [PRODUCT/SERVICE] was valued at [VALUE OF MARKET LAST YEAR], showcasing the potential for growth and profitability in this sector.</a:t>
-            </a:r>
-          </a:p>
-          <a:p>
-            <a:pPr>
-              <a:defRPr sz="1600"/>
-            </a:pPr>
-            <a:r>
-              <a:t>  </a:t>
-            </a:r>
-          </a:p>
-          <a:p>
-            <a:pPr>
-              <a:defRPr sz="1600"/>
-            </a:pPr>
-            <a:r>
-              <a:t>- **MARKET COMPETITION:** Despite the competitive landscape in the [MARKET COMPETITION] market, there is a clear opportunity for srtj to establish a strong presence and capture market share.</a:t>
-            </a:r>
-          </a:p>
-          <a:p>
-            <a:pPr>
-              <a:defRPr sz="1600"/>
-            </a:pPr>
-            <a:r>
-              <a:t>  </a:t>
-            </a:r>
-          </a:p>
-          <a:p>
-            <a:pPr>
-              <a:defRPr sz="1600"/>
-            </a:pPr>
-            <a:r>
-              <a:t>- **TARGET AUDIENCE:** Our [TARGET AUDIENCE] are actively seeking a solution like ours to address [PROBLEM SOLVED BY THIS SOLUTION], presenting a significant market opportunity for srtj.</a:t>
+              <a:t>srtj operates in the stumsym geographical area, where the fish market is valued at msrymsrmsr. The market is competitive, with key competitors such as srymsyms and rymsrymnsr. However, our unique offering and strategic use of umksymsm technologies set us apart in the sryj target audience. With the growing demand for innovative solutions in the fish industry, there is a significant opportunity for srtj to capture market share and drive growth.</a:t>
             </a:r>
           </a:p>
         </p:txBody>
@@ -3398,7 +3350,7 @@
               <a:defRPr sz="1600"/>
             </a:pPr>
             <a:r>
-              <a:t>Competitor:</a:t>
+              <a:t>**Competitor**</a:t>
             </a:r>
           </a:p>
           <a:p>
@@ -3411,7 +3363,7 @@
               <a:defRPr sz="1600"/>
             </a:pPr>
             <a:r>
-              <a:t>In the competitive landscape of the fish market, srtj faces competition from established players such as srymsyms and rymsrymnsr. These competitors have a strong presence in the market and have been offering similar solutions to the target audience. However, what sets srtj apart is our unique approach to utilizing umksymsm technology to provide a more efficient and effective solution to the sryj audience. Our key differences in quality, service, and innovation position us as a formidable contender in the market.</a:t>
+              <a:t>In a crowded market like the fish industry, srtj faces competition from established players such as srymsyms and rymsrymnsr. Despite the fierce competition, srtj sets itself apart through its innovative use of umksymsm and a unique approach to addressing the needs of the sryj audience. By focusing on delivering a superior customer experience and leveraging cutting-edge technologies, srtj aims to disrupt the msrmdsrtmsrkm market and emerge as a leader in the industry.</a:t>
             </a:r>
           </a:p>
         </p:txBody>
@@ -3490,7 +3442,7 @@
               <a:defRPr sz="1600"/>
             </a:pPr>
             <a:r>
-              <a:t>At srtj, our key difference lies in our innovative approach to the fish industry. Unlike our competitors, we leverage cutting-edge umksymsm technologies to revolutionize the way fish is sourced, processed, and delivered to our target audience in stumsym. Our unique ymsrymsrm sets us apart in the market, ensuring that we stay ahead of the curve and provide unparalleled value to our customers.</a:t>
+              <a:t>At srtj, our key difference lies in our innovative approach to revolutionize the fish industry. By leveraging cutting-edge umksymsm, we are able to offer a unique solution that sets us apart from our competitors. Our commitment to ymsrymsrm ensures that we provide unparalleled value to our target audience in stumsym. Join us on this exciting journey as we redefine the way fish is sourced, distributed, and enjoyed globally.</a:t>
             </a:r>
           </a:p>
         </p:txBody>
@@ -3569,7 +3521,7 @@
               <a:defRPr sz="1600"/>
             </a:pPr>
             <a:r>
-              <a:t>WANTED RESOURCES/FUNDING: The startup, srtj, is seeking a total funding of msmsrymsry to fuel its growth and expansion plans.</a:t>
+              <a:t>At srtj, we are seeking a total funding of msmsrymsry to fuel our growth and expansion in the fish market. This funding will be utilized to further develop our umksymsm technologies, expand our operations in stumsym, and strengthen our market presence.</a:t>
             </a:r>
           </a:p>
           <a:p>
@@ -3582,7 +3534,7 @@
               <a:defRPr sz="1600"/>
             </a:pPr>
             <a:r>
-              <a:t>HOW RESOURCES WILL BE USED: The funds will be allocated towards scaling up production, marketing efforts to reach a wider audience, further development of our technology platform umksymsm, and expanding our operations into new geographical areas stumsym.</a:t>
+              <a:t>With this investment, we project a significant ROI as we capitalize on the msrymsrmsr market value. By outpacing our competitors such as srymsyms and rymsrymnsr through our unique ymsrymsrm approach, we aim to capture a significant market share and drive substantial revenue growth.</a:t>
             </a:r>
           </a:p>
           <a:p>
@@ -3595,7 +3547,7 @@
               <a:defRPr sz="1600"/>
             </a:pPr>
             <a:r>
-              <a:t>ROI PROJECTION: With the successful deployment of the funding, srtj anticipates a significant increase in market share and revenue generation. The projected return on investment is expected to be substantial, with a clear path to profitability and sustainable growth in the market.</a:t>
+              <a:t>Investing in srtj not only supports our mission to revolutionize the fish industry but also offers a promising opportunity for impressive returns on investment. Join us in shaping the future of fish consumption and be part of our success story.</a:t>
             </a:r>
           </a:p>
         </p:txBody>

--- a/generated_ppt/_presentation.pptx
+++ b/generated_ppt/_presentation.pptx
@@ -3205,7 +3205,7 @@
               <a:defRPr sz="1600"/>
             </a:pPr>
             <a:r>
-              <a:t>At srtj, we are passionate about revolutionizing the way people experience fish. Our team is dedicated to creating innovative solutions that cater to the needs of our target audience, sryj. With our expertise in umksymsm, we are committed to providing a seamless and enjoyable fish experience for our customers in stumsym. Join us on our journey to transform the fish market and make a lasting impact in the industry.</a:t>
+              <a:t>At GPU Valley, we are dedicated to providing state-of-the-art GPUs to our customers. Our mission is to offer high-quality graphics processing units at competitive prices, addressing the rising costs in the market. With a focus on innovation and customer satisfaction, we aim to revolutionize the GPU industry and become a leading provider in the market. Join us on our journey to reshape the future of GPU technology.</a:t>
             </a:r>
           </a:p>
         </p:txBody>
@@ -3271,7 +3271,7 @@
               <a:defRPr sz="1600"/>
             </a:pPr>
             <a:r>
-              <a:t>Market Analysis:</a:t>
+              <a:t>**Market Analysis:**</a:t>
             </a:r>
           </a:p>
           <a:p>
@@ -3284,7 +3284,7 @@
               <a:defRPr sz="1600"/>
             </a:pPr>
             <a:r>
-              <a:t>srtj operates in the stumsym geographical area, where the fish market is valued at msrymsrmsr. The market is competitive, with key competitors such as srymsyms and rymsrymnsr. However, our unique offering and strategic use of umksymsm technologies set us apart in the sryj target audience. With the growing demand for innovative solutions in the fish industry, there is a significant opportunity for srtj to capture market share and drive growth.</a:t>
+              <a:t>The GPU market is experiencing rapid growth, driven by the increasing demand for high-performance computing in various industries. With the rising cost of GPUs becoming a significant concern for consumers, there is a clear opportunity for **GPU Valley** to disrupt the market with our state-of-the-art GPUs. As the market continues to expand, our innovative solutions are well-positioned to capture a significant share of the market and address the needs of our target audience effectively.</a:t>
             </a:r>
           </a:p>
         </p:txBody>
@@ -3350,7 +3350,7 @@
               <a:defRPr sz="1600"/>
             </a:pPr>
             <a:r>
-              <a:t>**Competitor**</a:t>
+              <a:t>Competitor Analysis:</a:t>
             </a:r>
           </a:p>
           <a:p>
@@ -3363,7 +3363,7 @@
               <a:defRPr sz="1600"/>
             </a:pPr>
             <a:r>
-              <a:t>In a crowded market like the fish industry, srtj faces competition from established players such as srymsyms and rymsrymnsr. Despite the fierce competition, srtj sets itself apart through its innovative use of umksymsm and a unique approach to addressing the needs of the sryj audience. By focusing on delivering a superior customer experience and leveraging cutting-edge technologies, srtj aims to disrupt the msrmdsrtmsrkm market and emerge as a leader in the industry.</a:t>
+              <a:t>In the competitive landscape of the GPU market, GPU Valley stands out as a disruptor. Our competitors, while established, lack the innovation and cost-effectiveness that GPU Valley brings to the table. With a focus on state-of-the-art GPUs at competitive prices, we are poised to challenge the status quo and capture a significant market share.</a:t>
             </a:r>
           </a:p>
         </p:txBody>
@@ -3429,7 +3429,7 @@
               <a:defRPr sz="1600"/>
             </a:pPr>
             <a:r>
-              <a:t>**Key Difference:**</a:t>
+              <a:t>Key Difference:</a:t>
             </a:r>
           </a:p>
           <a:p>
@@ -3442,7 +3442,7 @@
               <a:defRPr sz="1600"/>
             </a:pPr>
             <a:r>
-              <a:t>At srtj, our key difference lies in our innovative approach to revolutionize the fish industry. By leveraging cutting-edge umksymsm, we are able to offer a unique solution that sets us apart from our competitors. Our commitment to ymsrymsrm ensures that we provide unparalleled value to our target audience in stumsym. Join us on this exciting journey as we redefine the way fish is sourced, distributed, and enjoyed globally.</a:t>
+              <a:t>At GPU Valley, our key difference lies in our commitment to providing state-of-the-art GPUs at a fraction of the cost compared to our competitors. By leveraging innovative technologies and strategic partnerships, we are able to offer high-quality GPUs that are affordable for our customers without compromising on performance. This unique value proposition sets us apart in the market and positions us as a game-changer in the industry.</a:t>
             </a:r>
           </a:p>
         </p:txBody>
@@ -3521,7 +3521,7 @@
               <a:defRPr sz="1600"/>
             </a:pPr>
             <a:r>
-              <a:t>At srtj, we are seeking a total funding of msmsrymsry to fuel our growth and expansion in the fish market. This funding will be utilized to further develop our umksymsm technologies, expand our operations in stumsym, and strengthen our market presence.</a:t>
+              <a:t>We are seeking funding to accelerate the growth of GPU Valley and capitalize on the increasing demand for state-of-the-art GPUs. With the investment, we aim to expand our product line, enhance our marketing efforts, and strengthen our distribution channels. </a:t>
             </a:r>
           </a:p>
           <a:p>
@@ -3534,20 +3534,7 @@
               <a:defRPr sz="1600"/>
             </a:pPr>
             <a:r>
-              <a:t>With this investment, we project a significant ROI as we capitalize on the msrymsrmsr market value. By outpacing our competitors such as srymsyms and rymsrymnsr through our unique ymsrymsrm approach, we aim to capture a significant market share and drive substantial revenue growth.</a:t>
-            </a:r>
-          </a:p>
-          <a:p>
-            <a:pPr>
-              <a:defRPr sz="1600"/>
-            </a:pPr>
-          </a:p>
-          <a:p>
-            <a:pPr>
-              <a:defRPr sz="1600"/>
-            </a:pPr>
-            <a:r>
-              <a:t>Investing in srtj not only supports our mission to revolutionize the fish industry but also offers a promising opportunity for impressive returns on investment. Join us in shaping the future of fish consumption and be part of our success story.</a:t>
+              <a:t>The expected ROI for our investors is promising, considering the high demand for GPUs and the rising cost of these components in the market. By leveraging our competitive pricing strategy and innovative technology, we project a significant return on investment within a short timeframe. Join us in revolutionizing the GPU industry and reaping the rewards of this lucrative market opportunity.</a:t>
             </a:r>
           </a:p>
         </p:txBody>

--- a/generated_ppt/_presentation.pptx
+++ b/generated_ppt/_presentation.pptx
@@ -3205,7 +3205,7 @@
               <a:defRPr sz="1600"/>
             </a:pPr>
             <a:r>
-              <a:t>At GPU Valley, we are dedicated to providing state-of-the-art GPUs to our customers. Our mission is to offer high-quality graphics processing units at competitive prices, addressing the rising costs in the market. With a focus on innovation and customer satisfaction, we aim to revolutionize the GPU industry and become a leading provider in the market. Join us on our journey to reshape the future of GPU technology.</a:t>
+              <a:t>Hydra App Solutions is a cutting-edge startup specializing in developing Android Apps for SMEs in Seri. Our team leverages the latest technologies, specifically Flutter, to create innovative solutions that address the everyday merchant problems faced in the Perak market. With a current state of RM2000, we are seeking investors to fuel our growth and expand our reach in the market. Join us on our journey to revolutionize the Android App industry and make a lasting impact on businesses in the region.</a:t>
             </a:r>
           </a:p>
         </p:txBody>
@@ -3271,7 +3271,7 @@
               <a:defRPr sz="1600"/>
             </a:pPr>
             <a:r>
-              <a:t>**Market Analysis:**</a:t>
+              <a:t>Market Analysis:</a:t>
             </a:r>
           </a:p>
           <a:p>
@@ -3284,7 +3284,7 @@
               <a:defRPr sz="1600"/>
             </a:pPr>
             <a:r>
-              <a:t>The GPU market is experiencing rapid growth, driven by the increasing demand for high-performance computing in various industries. With the rising cost of GPUs becoming a significant concern for consumers, there is a clear opportunity for **GPU Valley** to disrupt the market with our state-of-the-art GPUs. As the market continues to expand, our innovative solutions are well-positioned to capture a significant share of the market and address the needs of our target audience effectively.</a:t>
+              <a:t>Hydra App Solutions operates in the bustling Seri geographical area, targeting SMEs in need of Android Apps. With a market value of RM50 million last year, the Perak market presents significant opportunities for growth and expansion. Despite competition from established players like Webby Group and Double Dot, Hydra App Solutions stands out by offering cost-effective solutions tailored to meet merchant needs. The market potential combined with our unique positioning makes Hydra App Solutions a promising investment opportunity for investors looking to tap into the thriving app development sector.</a:t>
             </a:r>
           </a:p>
         </p:txBody>
@@ -3350,7 +3350,7 @@
               <a:defRPr sz="1600"/>
             </a:pPr>
             <a:r>
-              <a:t>Competitor Analysis:</a:t>
+              <a:t>Competitor:</a:t>
             </a:r>
           </a:p>
           <a:p>
@@ -3363,7 +3363,7 @@
               <a:defRPr sz="1600"/>
             </a:pPr>
             <a:r>
-              <a:t>In the competitive landscape of the GPU market, GPU Valley stands out as a disruptor. Our competitors, while established, lack the innovation and cost-effectiveness that GPU Valley brings to the table. With a focus on state-of-the-art GPUs at competitive prices, we are poised to challenge the status quo and capture a significant market share.</a:t>
+              <a:t>In the bustling Perak market, we are up against established players like Webby Group and Double Dot. While they offer similar Android app solutions for SMEs, Hydra App Solutions sets itself apart by providing a more cost-effective option. Our focus on affordability without compromising quality gives us a competitive edge in the market.</a:t>
             </a:r>
           </a:p>
         </p:txBody>
@@ -3442,7 +3442,7 @@
               <a:defRPr sz="1600"/>
             </a:pPr>
             <a:r>
-              <a:t>At GPU Valley, our key difference lies in our commitment to providing state-of-the-art GPUs at a fraction of the cost compared to our competitors. By leveraging innovative technologies and strategic partnerships, we are able to offer high-quality GPUs that are affordable for our customers without compromising on performance. This unique value proposition sets us apart in the market and positions us as a game-changer in the industry.</a:t>
+              <a:t>Hydra App Solutions stands out in the market as a provider of high-quality Android Apps for SMEs in Seri. What sets us apart from our competitors, Webby Group and Double Dot, is our commitment to offering affordable solutions without compromising on quality. By leveraging Flutter technology, we are able to deliver cost-effective Android Apps that cater to the specific needs of merchants in the Perak market. Our focus on providing value for money makes us the preferred choice for SMEs looking to enhance their digital presence.</a:t>
             </a:r>
           </a:p>
         </p:txBody>
@@ -3508,7 +3508,7 @@
               <a:defRPr sz="1600"/>
             </a:pPr>
             <a:r>
-              <a:t>Expected Fundings &amp; ROI:</a:t>
+              <a:t>Expected Fundings &amp; ROI</a:t>
             </a:r>
           </a:p>
           <a:p>
@@ -3521,20 +3521,7 @@
               <a:defRPr sz="1600"/>
             </a:pPr>
             <a:r>
-              <a:t>We are seeking funding to accelerate the growth of GPU Valley and capitalize on the increasing demand for state-of-the-art GPUs. With the investment, we aim to expand our product line, enhance our marketing efforts, and strengthen our distribution channels. </a:t>
-            </a:r>
-          </a:p>
-          <a:p>
-            <a:pPr>
-              <a:defRPr sz="1600"/>
-            </a:pPr>
-          </a:p>
-          <a:p>
-            <a:pPr>
-              <a:defRPr sz="1600"/>
-            </a:pPr>
-            <a:r>
-              <a:t>The expected ROI for our investors is promising, considering the high demand for GPUs and the rising cost of these components in the market. By leveraging our competitive pricing strategy and innovative technology, we project a significant return on investment within a short timeframe. Join us in revolutionizing the GPU industry and reaping the rewards of this lucrative market opportunity.</a:t>
+              <a:t>Hydra App Solutions is seeking investors to fuel our growth in the Seri market. With your support, we aim to expand our reach and enhance our Android app offerings for SMEs. By investing in Hydra App Solutions, you can expect a promising return on investment as we capitalize on the growing demand for affordable and efficient app solutions in the Perak market. Join us in revolutionizing the way merchants operate and reap the rewards of our innovative approach. Let's collaborate for a prosperous future together.</a:t>
             </a:r>
           </a:p>
         </p:txBody>

--- a/generated_ppt/_presentation.pptx
+++ b/generated_ppt/_presentation.pptx
@@ -3199,13 +3199,8 @@
             <a:pPr>
               <a:defRPr sz="1600"/>
             </a:pPr>
-          </a:p>
-          <a:p>
-            <a:pPr>
-              <a:defRPr sz="1600"/>
-            </a:pPr>
-            <a:r>
-              <a:t>Hydra App Solutions is a cutting-edge startup specializing in developing Android Apps for SMEs in Seri. Our team leverages the latest technologies, specifically Flutter, to create innovative solutions that address the everyday merchant problems faced in the Perak market. With a current state of RM2000, we are seeking investors to fuel our growth and expand our reach in the market. Join us on our journey to revolutionize the Android App industry and make a lasting impact on businesses in the region.</a:t>
+            <a:r>
+              <a:t>Hydra App Solutions is a cutting-edge startup specializing in Android Apps, specifically designed for SMEs in Seri. Our goal is to solve the everyday merchant problems through innovative technology, utilizing Flutter to create seamless and user-friendly applications. With a current state of RM2000, we are looking for investors to help us grow and make a significant impact in the market. Join us in revolutionizing the Android app industry and empowering SMEs to thrive in the digital era.</a:t>
             </a:r>
           </a:p>
         </p:txBody>
@@ -3284,7 +3279,7 @@
               <a:defRPr sz="1600"/>
             </a:pPr>
             <a:r>
-              <a:t>Hydra App Solutions operates in the bustling Seri geographical area, targeting SMEs in need of Android Apps. With a market value of RM50 million last year, the Perak market presents significant opportunities for growth and expansion. Despite competition from established players like Webby Group and Double Dot, Hydra App Solutions stands out by offering cost-effective solutions tailored to meet merchant needs. The market potential combined with our unique positioning makes Hydra App Solutions a promising investment opportunity for investors looking to tap into the thriving app development sector.</a:t>
+              <a:t>Hydra App Solutions operates in the vibrant and competitive Seri market, where the demand for Android apps among SMEs is on the rise. With a market value of RM50 million last year, there is a clear opportunity for growth and expansion. Our primary competitors in this market are Webby Group and Double Dot, but our key differentiator lies in our cost-effective solutions, making us a more attractive option for budget-conscious businesses. By strategically positioning ourselves in the Perak market, we aim to capture a significant share of the market and establish Hydra App Solutions as a leading provider of Android apps for SMEs.</a:t>
             </a:r>
           </a:p>
         </p:txBody>
@@ -3363,7 +3358,7 @@
               <a:defRPr sz="1600"/>
             </a:pPr>
             <a:r>
-              <a:t>In the bustling Perak market, we are up against established players like Webby Group and Double Dot. While they offer similar Android app solutions for SMEs, Hydra App Solutions sets itself apart by providing a more cost-effective option. Our focus on affordability without compromising quality gives us a competitive edge in the market.</a:t>
+              <a:t>In the bustling market of Seri, Hydra App Solutions faces competition from established players like Webby Group and Double Dot. While these competitors have made their mark in the Perak market, we stand out by offering a more cost-effective solution to SMEs in need of Android Apps. Our focus on affordability sets us apart and gives us a competitive edge in capturing market share.</a:t>
             </a:r>
           </a:p>
         </p:txBody>
@@ -3429,7 +3424,7 @@
               <a:defRPr sz="1600"/>
             </a:pPr>
             <a:r>
-              <a:t>Key Difference:</a:t>
+              <a:t>KEY DIFFERENCE</a:t>
             </a:r>
           </a:p>
           <a:p>
@@ -3442,7 +3437,7 @@
               <a:defRPr sz="1600"/>
             </a:pPr>
             <a:r>
-              <a:t>Hydra App Solutions stands out in the market as a provider of high-quality Android Apps for SMEs in Seri. What sets us apart from our competitors, Webby Group and Double Dot, is our commitment to offering affordable solutions without compromising on quality. By leveraging Flutter technology, we are able to deliver cost-effective Android Apps that cater to the specific needs of merchants in the Perak market. Our focus on providing value for money makes us the preferred choice for SMEs looking to enhance their digital presence.</a:t>
+              <a:t>Hydra App Solutions stands out in the market for offering Android Apps that are not only innovative and user-friendly but also more cost-effective than our competitors. While others may charge a premium, we believe in providing high-quality solutions at a fraction of the cost. This key difference sets us apart and makes us the top choice for SMEs in the Seri geographical area.</a:t>
             </a:r>
           </a:p>
         </p:txBody>
@@ -3508,7 +3503,7 @@
               <a:defRPr sz="1600"/>
             </a:pPr>
             <a:r>
-              <a:t>Expected Fundings &amp; ROI</a:t>
+              <a:t>Expected Fundings &amp; ROI:</a:t>
             </a:r>
           </a:p>
           <a:p>
@@ -3521,7 +3516,7 @@
               <a:defRPr sz="1600"/>
             </a:pPr>
             <a:r>
-              <a:t>Hydra App Solutions is seeking investors to fuel our growth in the Seri market. With your support, we aim to expand our reach and enhance our Android app offerings for SMEs. By investing in Hydra App Solutions, you can expect a promising return on investment as we capitalize on the growing demand for affordable and efficient app solutions in the Perak market. Join us in revolutionizing the way merchants operate and reap the rewards of our innovative approach. Let's collaborate for a prosperous future together.</a:t>
+              <a:t>Hydra App Solutions is seeking investors to fuel our growth in the Seri market. With the current state of the startup at RM2000, we aim to secure funding to scale our operations and capture a larger share of the Android app market for SMEs in Perak. The expected ROI for investors is promising, as our cost-effective approach sets us apart from competitors, allowing us to offer high-quality Android apps at a more affordable price point. By investing in Hydra App Solutions, investors can expect significant returns as we expand our reach and solidify our position as a leading provider of Android apps for SMEs in the region.</a:t>
             </a:r>
           </a:p>
         </p:txBody>

--- a/generated_ppt/_presentation.pptx
+++ b/generated_ppt/_presentation.pptx
@@ -3192,15 +3192,20 @@
               <a:defRPr sz="1600"/>
             </a:pPr>
             <a:r>
-              <a:t>About Us:</a:t>
+              <a:t>### About Us</a:t>
             </a:r>
           </a:p>
           <a:p>
             <a:pPr>
               <a:defRPr sz="1600"/>
             </a:pPr>
-            <a:r>
-              <a:t>Hydra App Solutions is a cutting-edge startup specializing in Android Apps, specifically designed for SMEs in Seri. Our goal is to solve the everyday merchant problems through innovative technology, utilizing Flutter to create seamless and user-friendly applications. With a current state of RM2000, we are looking for investors to help us grow and make a significant impact in the market. Join us in revolutionizing the Android app industry and empowering SMEs to thrive in the digital era.</a:t>
+          </a:p>
+          <a:p>
+            <a:pPr>
+              <a:defRPr sz="1600"/>
+            </a:pPr>
+            <a:r>
+              <a:t>Website Master is a cutting-edge web development company based in Malaysia, specializing in creating eye-catching websites for middle-sized businesses. With a shortage of talent in web development, we have stepped in to provide high-quality websites using the latest technologies such as React and the MERN stack. Currently, we have 3 jobs in queue and are looking to expand our operations with the help of 1 million in funding. Our focus on fast development sets us apart in the competitive software development market, allowing us to deliver exceptional results for our clients. Join us on our journey to revolutionize the web development industry and make a lasting impact in the market.</a:t>
             </a:r>
           </a:p>
         </p:txBody>
@@ -3279,7 +3284,7 @@
               <a:defRPr sz="1600"/>
             </a:pPr>
             <a:r>
-              <a:t>Hydra App Solutions operates in the vibrant and competitive Seri market, where the demand for Android apps among SMEs is on the rise. With a market value of RM50 million last year, there is a clear opportunity for growth and expansion. Our primary competitors in this market are Webby Group and Double Dot, but our key differentiator lies in our cost-effective solutions, making us a more attractive option for budget-conscious businesses. By strategically positioning ourselves in the Perak market, we aim to capture a significant share of the market and establish Hydra App Solutions as a leading provider of Android apps for SMEs.</a:t>
+              <a:t>The software development market in Malaysia has seen significant growth, with a value of 100 million last year. Our target audience, middle-sized businesses, are in need of eye-catching websites to stand out in this competitive landscape. With a shortage of talent in web development, there is a clear opportunity for Website Master to provide fast and efficient website solutions using technologies like react and the MERN stack. Despite competition from companies like PowerGroup and EVOPoint, our focus on rapid development sets us apart and positions us as a key player in the market.</a:t>
             </a:r>
           </a:p>
         </p:txBody>
@@ -3358,7 +3363,7 @@
               <a:defRPr sz="1600"/>
             </a:pPr>
             <a:r>
-              <a:t>In the bustling market of Seri, Hydra App Solutions faces competition from established players like Webby Group and Double Dot. While these competitors have made their mark in the Perak market, we stand out by offering a more cost-effective solution to SMEs in need of Android Apps. Our focus on affordability sets us apart and gives us a competitive edge in capturing market share.</a:t>
+              <a:t>In the competitive landscape of the software development market in Malaysia, Website Master faces competition from established players like PowerGroup and EVOPoint. While these competitors offer similar services, Website Master sets itself apart by focusing on providing fast development solutions to middle-sized businesses. Our agile approach and expertise in technologies such as React and the MERN stack enable us to deliver eye-catching websites efficiently. This key difference positions Website Master as a valuable and competitive player in the market.</a:t>
             </a:r>
           </a:p>
         </p:txBody>
@@ -3424,7 +3429,7 @@
               <a:defRPr sz="1600"/>
             </a:pPr>
             <a:r>
-              <a:t>KEY DIFFERENCE</a:t>
+              <a:t>Key Difference</a:t>
             </a:r>
           </a:p>
           <a:p>
@@ -3437,7 +3442,7 @@
               <a:defRPr sz="1600"/>
             </a:pPr>
             <a:r>
-              <a:t>Hydra App Solutions stands out in the market for offering Android Apps that are not only innovative and user-friendly but also more cost-effective than our competitors. While others may charge a premium, we believe in providing high-quality solutions at a fraction of the cost. This key difference sets us apart and makes us the top choice for SMEs in the Seri geographical area.</a:t>
+              <a:t>Website Master stands out in the software development market by providing fast and efficient website development services using cutting-edge technologies like React and the MERN stack. While competitors like PowerGroup and EVOPoint offer similar services, our focus on quick turnaround times and high-quality results sets us apart. With Website Master, businesses can have eye-catching websites developed in a fraction of the time it would take with traditional web development agencies.</a:t>
             </a:r>
           </a:p>
         </p:txBody>
@@ -3503,7 +3508,7 @@
               <a:defRPr sz="1600"/>
             </a:pPr>
             <a:r>
-              <a:t>Expected Fundings &amp; ROI:</a:t>
+              <a:t>Expected Fundings &amp; ROI</a:t>
             </a:r>
           </a:p>
           <a:p>
@@ -3516,7 +3521,33 @@
               <a:defRPr sz="1600"/>
             </a:pPr>
             <a:r>
-              <a:t>Hydra App Solutions is seeking investors to fuel our growth in the Seri market. With the current state of the startup at RM2000, we aim to secure funding to scale our operations and capture a larger share of the Android app market for SMEs in Perak. The expected ROI for investors is promising, as our cost-effective approach sets us apart from competitors, allowing us to offer high-quality Android apps at a more affordable price point. By investing in Hydra App Solutions, investors can expect significant returns as we expand our reach and solidify our position as a leading provider of Android apps for SMEs in the region.</a:t>
+              <a:t>Website Master is seeking funding of 1 million to expand our operations and meet the increasing demand for eye-catching websites in Malaysia. With this investment, we aim to scale our team, enhance our technology infrastructure, and accelerate our growth in the market.</a:t>
+            </a:r>
+          </a:p>
+          <a:p>
+            <a:pPr>
+              <a:defRPr sz="1600"/>
+            </a:pPr>
+          </a:p>
+          <a:p>
+            <a:pPr>
+              <a:defRPr sz="1600"/>
+            </a:pPr>
+            <a:r>
+              <a:t>The expected return on investment is promising, with the potential to capture a significant share of the 100 million software development market in Malaysia. By providing fast development services using cutting-edge technologies like React and the MERN stack, we are confident in our ability to generate substantial revenue and deliver a high ROI to our investors.</a:t>
+            </a:r>
+          </a:p>
+          <a:p>
+            <a:pPr>
+              <a:defRPr sz="1600"/>
+            </a:pPr>
+          </a:p>
+          <a:p>
+            <a:pPr>
+              <a:defRPr sz="1600"/>
+            </a:pPr>
+            <a:r>
+              <a:t>Invest in Website Master and be part of our journey to revolutionize the web development industry in Malaysia while reaping the rewards of a lucrative and growing market.</a:t>
             </a:r>
           </a:p>
         </p:txBody>
